--- a/SQL Projecct.pptx
+++ b/SQL Projecct.pptx
@@ -1562,7 +1562,7 @@
           <a:p>
             <a:fld id="{6708383A-7D6B-4B89-8144-764CC8167562}" type="datetimeFigureOut">
               <a:rPr lang="en-IN" smtClean="0"/>
-              <a:t>28-09-2023</a:t>
+              <a:t>26-09-2023</a:t>
             </a:fld>
             <a:endParaRPr lang="en-IN"/>
           </a:p>
@@ -2324,7 +2324,7 @@
             <a:fld id="{B61BEF0D-F0BB-DE4B-95CE-6DB70DBA9567}" type="datetimeFigureOut">
               <a:rPr lang="en-US" dirty="0"/>
               <a:pPr/>
-              <a:t>9/28/2023</a:t>
+              <a:t>9/26/2023</a:t>
             </a:fld>
             <a:endParaRPr lang="en-US" dirty="0"/>
           </a:p>
@@ -2666,7 +2666,7 @@
             <a:fld id="{B61BEF0D-F0BB-DE4B-95CE-6DB70DBA9567}" type="datetimeFigureOut">
               <a:rPr lang="en-US" dirty="0"/>
               <a:pPr/>
-              <a:t>9/28/2023</a:t>
+              <a:t>9/26/2023</a:t>
             </a:fld>
             <a:endParaRPr lang="en-US" dirty="0"/>
           </a:p>
@@ -2953,7 +2953,7 @@
             <a:fld id="{B61BEF0D-F0BB-DE4B-95CE-6DB70DBA9567}" type="datetimeFigureOut">
               <a:rPr lang="en-US" dirty="0"/>
               <a:pPr/>
-              <a:t>9/28/2023</a:t>
+              <a:t>9/26/2023</a:t>
             </a:fld>
             <a:endParaRPr lang="en-US" dirty="0"/>
           </a:p>
@@ -3530,7 +3530,7 @@
             <a:fld id="{B61BEF0D-F0BB-DE4B-95CE-6DB70DBA9567}" type="datetimeFigureOut">
               <a:rPr lang="en-US" dirty="0"/>
               <a:pPr/>
-              <a:t>9/28/2023</a:t>
+              <a:t>9/26/2023</a:t>
             </a:fld>
             <a:endParaRPr lang="en-US" dirty="0"/>
           </a:p>
@@ -3817,7 +3817,7 @@
             <a:fld id="{B61BEF0D-F0BB-DE4B-95CE-6DB70DBA9567}" type="datetimeFigureOut">
               <a:rPr lang="en-US" dirty="0"/>
               <a:pPr/>
-              <a:t>9/28/2023</a:t>
+              <a:t>9/26/2023</a:t>
             </a:fld>
             <a:endParaRPr lang="en-US" dirty="0"/>
           </a:p>
@@ -4388,7 +4388,7 @@
             <a:fld id="{B61BEF0D-F0BB-DE4B-95CE-6DB70DBA9567}" type="datetimeFigureOut">
               <a:rPr lang="en-US" dirty="0"/>
               <a:pPr/>
-              <a:t>9/28/2023</a:t>
+              <a:t>9/26/2023</a:t>
             </a:fld>
             <a:endParaRPr lang="en-US" dirty="0"/>
           </a:p>
@@ -4724,7 +4724,7 @@
             <a:fld id="{B61BEF0D-F0BB-DE4B-95CE-6DB70DBA9567}" type="datetimeFigureOut">
               <a:rPr lang="en-US" dirty="0"/>
               <a:pPr/>
-              <a:t>9/28/2023</a:t>
+              <a:t>9/26/2023</a:t>
             </a:fld>
             <a:endParaRPr lang="en-US" dirty="0"/>
           </a:p>
@@ -4910,7 +4910,7 @@
             <a:fld id="{B61BEF0D-F0BB-DE4B-95CE-6DB70DBA9567}" type="datetimeFigureOut">
               <a:rPr lang="en-US" dirty="0"/>
               <a:pPr/>
-              <a:t>9/28/2023</a:t>
+              <a:t>9/26/2023</a:t>
             </a:fld>
             <a:endParaRPr lang="en-US" dirty="0"/>
           </a:p>
@@ -5157,7 +5157,7 @@
             <a:fld id="{B61BEF0D-F0BB-DE4B-95CE-6DB70DBA9567}" type="datetimeFigureOut">
               <a:rPr lang="en-US" dirty="0"/>
               <a:pPr/>
-              <a:t>9/28/2023</a:t>
+              <a:t>9/26/2023</a:t>
             </a:fld>
             <a:endParaRPr lang="en-US" dirty="0"/>
           </a:p>
@@ -5366,7 +5366,7 @@
             <a:fld id="{B61BEF0D-F0BB-DE4B-95CE-6DB70DBA9567}" type="datetimeFigureOut">
               <a:rPr lang="en-US" dirty="0"/>
               <a:pPr/>
-              <a:t>9/28/2023</a:t>
+              <a:t>9/26/2023</a:t>
             </a:fld>
             <a:endParaRPr lang="en-US" dirty="0"/>
           </a:p>
@@ -5651,7 +5651,7 @@
             <a:fld id="{B61BEF0D-F0BB-DE4B-95CE-6DB70DBA9567}" type="datetimeFigureOut">
               <a:rPr lang="en-US" dirty="0"/>
               <a:pPr/>
-              <a:t>9/28/2023</a:t>
+              <a:t>9/26/2023</a:t>
             </a:fld>
             <a:endParaRPr lang="en-US" dirty="0"/>
           </a:p>
@@ -5926,7 +5926,7 @@
             <a:fld id="{B61BEF0D-F0BB-DE4B-95CE-6DB70DBA9567}" type="datetimeFigureOut">
               <a:rPr lang="en-US" dirty="0"/>
               <a:pPr/>
-              <a:t>9/28/2023</a:t>
+              <a:t>9/26/2023</a:t>
             </a:fld>
             <a:endParaRPr lang="en-US" dirty="0"/>
           </a:p>
@@ -6309,7 +6309,7 @@
             <a:fld id="{B61BEF0D-F0BB-DE4B-95CE-6DB70DBA9567}" type="datetimeFigureOut">
               <a:rPr lang="en-US" dirty="0"/>
               <a:pPr/>
-              <a:t>9/28/2023</a:t>
+              <a:t>9/26/2023</a:t>
             </a:fld>
             <a:endParaRPr lang="en-US" dirty="0"/>
           </a:p>
@@ -6466,7 +6466,7 @@
             <a:fld id="{B61BEF0D-F0BB-DE4B-95CE-6DB70DBA9567}" type="datetimeFigureOut">
               <a:rPr lang="en-US" dirty="0"/>
               <a:pPr/>
-              <a:t>9/28/2023</a:t>
+              <a:t>9/26/2023</a:t>
             </a:fld>
             <a:endParaRPr lang="en-US" dirty="0"/>
           </a:p>
@@ -6600,7 +6600,7 @@
             <a:fld id="{B61BEF0D-F0BB-DE4B-95CE-6DB70DBA9567}" type="datetimeFigureOut">
               <a:rPr lang="en-US" dirty="0"/>
               <a:pPr/>
-              <a:t>9/28/2023</a:t>
+              <a:t>9/26/2023</a:t>
             </a:fld>
             <a:endParaRPr lang="en-US" dirty="0"/>
           </a:p>
@@ -6894,7 +6894,7 @@
             <a:fld id="{B61BEF0D-F0BB-DE4B-95CE-6DB70DBA9567}" type="datetimeFigureOut">
               <a:rPr lang="en-US" dirty="0"/>
               <a:pPr/>
-              <a:t>9/28/2023</a:t>
+              <a:t>9/26/2023</a:t>
             </a:fld>
             <a:endParaRPr lang="en-US" dirty="0"/>
           </a:p>
@@ -7226,7 +7226,7 @@
             <a:fld id="{B61BEF0D-F0BB-DE4B-95CE-6DB70DBA9567}" type="datetimeFigureOut">
               <a:rPr lang="en-US" dirty="0"/>
               <a:pPr/>
-              <a:t>9/28/2023</a:t>
+              <a:t>9/26/2023</a:t>
             </a:fld>
             <a:endParaRPr lang="en-US" dirty="0"/>
           </a:p>
@@ -7449,7 +7449,7 @@
             <a:fld id="{B61BEF0D-F0BB-DE4B-95CE-6DB70DBA9567}" type="datetimeFigureOut">
               <a:rPr lang="en-US" dirty="0"/>
               <a:pPr/>
-              <a:t>9/28/2023</a:t>
+              <a:t>9/26/2023</a:t>
             </a:fld>
             <a:endParaRPr lang="en-US" dirty="0"/>
           </a:p>
@@ -8150,13 +8150,13 @@
   <p:clrMapOvr>
     <a:masterClrMapping/>
   </p:clrMapOvr>
-  <mc:AlternateContent xmlns:mc="http://schemas.openxmlformats.org/markup-compatibility/2006" xmlns:p159="http://schemas.microsoft.com/office/powerpoint/2015/09/main">
-    <mc:Choice Requires="p159">
+  <mc:AlternateContent xmlns:mc="http://schemas.openxmlformats.org/markup-compatibility/2006">
+    <mc:Choice xmlns:p159="http://schemas.microsoft.com/office/powerpoint/2015/09/main" Requires="p159">
       <p:transition xmlns:p14="http://schemas.microsoft.com/office/powerpoint/2010/main" p14:dur="10" advTm="11135">
         <p159:morph option="byObject"/>
       </p:transition>
     </mc:Choice>
-    <mc:Fallback xmlns="">
+    <mc:Fallback>
       <p:transition advTm="11135">
         <p:fade/>
       </p:transition>
@@ -8362,13 +8362,13 @@
   <p:clrMapOvr>
     <a:masterClrMapping/>
   </p:clrMapOvr>
-  <mc:AlternateContent xmlns:mc="http://schemas.openxmlformats.org/markup-compatibility/2006" xmlns:p159="http://schemas.microsoft.com/office/powerpoint/2015/09/main">
-    <mc:Choice Requires="p159">
+  <mc:AlternateContent xmlns:mc="http://schemas.openxmlformats.org/markup-compatibility/2006">
+    <mc:Choice xmlns:p159="http://schemas.microsoft.com/office/powerpoint/2015/09/main" Requires="p159">
       <p:transition xmlns:p14="http://schemas.microsoft.com/office/powerpoint/2010/main" p14:dur="10" advTm="8392">
         <p159:morph option="byObject"/>
       </p:transition>
     </mc:Choice>
-    <mc:Fallback xmlns="">
+    <mc:Fallback>
       <p:transition advTm="8392">
         <p:fade/>
       </p:transition>
@@ -8580,13 +8580,13 @@
   <p:clrMapOvr>
     <a:masterClrMapping/>
   </p:clrMapOvr>
-  <mc:AlternateContent xmlns:mc="http://schemas.openxmlformats.org/markup-compatibility/2006" xmlns:p159="http://schemas.microsoft.com/office/powerpoint/2015/09/main">
-    <mc:Choice Requires="p159">
+  <mc:AlternateContent xmlns:mc="http://schemas.openxmlformats.org/markup-compatibility/2006">
+    <mc:Choice xmlns:p159="http://schemas.microsoft.com/office/powerpoint/2015/09/main" Requires="p159">
       <p:transition xmlns:p14="http://schemas.microsoft.com/office/powerpoint/2010/main" p14:dur="10" advTm="17359">
         <p159:morph option="byObject"/>
       </p:transition>
     </mc:Choice>
-    <mc:Fallback xmlns="">
+    <mc:Fallback>
       <p:transition advTm="17359">
         <p:fade/>
       </p:transition>
@@ -8716,13 +8716,13 @@
   <p:clrMapOvr>
     <a:masterClrMapping/>
   </p:clrMapOvr>
-  <mc:AlternateContent xmlns:mc="http://schemas.openxmlformats.org/markup-compatibility/2006" xmlns:p159="http://schemas.microsoft.com/office/powerpoint/2015/09/main">
-    <mc:Choice Requires="p159">
+  <mc:AlternateContent xmlns:mc="http://schemas.openxmlformats.org/markup-compatibility/2006">
+    <mc:Choice xmlns:p159="http://schemas.microsoft.com/office/powerpoint/2015/09/main" Requires="p159">
       <p:transition xmlns:p14="http://schemas.microsoft.com/office/powerpoint/2010/main" p14:dur="10" advTm="11794">
         <p159:morph option="byObject"/>
       </p:transition>
     </mc:Choice>
-    <mc:Fallback xmlns="">
+    <mc:Fallback>
       <p:transition advTm="11794">
         <p:fade/>
       </p:transition>
@@ -8860,13 +8860,13 @@
   <p:clrMapOvr>
     <a:masterClrMapping/>
   </p:clrMapOvr>
-  <mc:AlternateContent xmlns:mc="http://schemas.openxmlformats.org/markup-compatibility/2006" xmlns:p159="http://schemas.microsoft.com/office/powerpoint/2015/09/main">
-    <mc:Choice Requires="p159">
+  <mc:AlternateContent xmlns:mc="http://schemas.openxmlformats.org/markup-compatibility/2006">
+    <mc:Choice xmlns:p159="http://schemas.microsoft.com/office/powerpoint/2015/09/main" Requires="p159">
       <p:transition xmlns:p14="http://schemas.microsoft.com/office/powerpoint/2010/main" p14:dur="10" advTm="8407">
         <p159:morph option="byObject"/>
       </p:transition>
     </mc:Choice>
-    <mc:Fallback xmlns="">
+    <mc:Fallback>
       <p:transition advTm="8407">
         <p:fade/>
       </p:transition>
@@ -8991,13 +8991,13 @@
   <p:clrMapOvr>
     <a:masterClrMapping/>
   </p:clrMapOvr>
-  <mc:AlternateContent xmlns:mc="http://schemas.openxmlformats.org/markup-compatibility/2006" xmlns:p159="http://schemas.microsoft.com/office/powerpoint/2015/09/main">
-    <mc:Choice Requires="p159">
+  <mc:AlternateContent xmlns:mc="http://schemas.openxmlformats.org/markup-compatibility/2006">
+    <mc:Choice xmlns:p159="http://schemas.microsoft.com/office/powerpoint/2015/09/main" Requires="p159">
       <p:transition xmlns:p14="http://schemas.microsoft.com/office/powerpoint/2010/main" p14:dur="10" advTm="3458">
         <p159:morph option="byObject"/>
       </p:transition>
     </mc:Choice>
-    <mc:Fallback xmlns="">
+    <mc:Fallback>
       <p:transition advTm="3458">
         <p:fade/>
       </p:transition>
@@ -9127,13 +9127,13 @@
   <p:clrMapOvr>
     <a:masterClrMapping/>
   </p:clrMapOvr>
-  <mc:AlternateContent xmlns:mc="http://schemas.openxmlformats.org/markup-compatibility/2006" xmlns:p159="http://schemas.microsoft.com/office/powerpoint/2015/09/main">
-    <mc:Choice Requires="p159">
+  <mc:AlternateContent xmlns:mc="http://schemas.openxmlformats.org/markup-compatibility/2006">
+    <mc:Choice xmlns:p159="http://schemas.microsoft.com/office/powerpoint/2015/09/main" Requires="p159">
       <p:transition xmlns:p14="http://schemas.microsoft.com/office/powerpoint/2010/main" p14:dur="10" advTm="14943">
         <p159:morph option="byObject"/>
       </p:transition>
     </mc:Choice>
-    <mc:Fallback xmlns="">
+    <mc:Fallback>
       <p:transition advTm="14943">
         <p:fade/>
       </p:transition>
@@ -9267,13 +9267,13 @@
   <p:clrMapOvr>
     <a:masterClrMapping/>
   </p:clrMapOvr>
-  <mc:AlternateContent xmlns:mc="http://schemas.openxmlformats.org/markup-compatibility/2006" xmlns:p159="http://schemas.microsoft.com/office/powerpoint/2015/09/main">
-    <mc:Choice Requires="p159">
+  <mc:AlternateContent xmlns:mc="http://schemas.openxmlformats.org/markup-compatibility/2006">
+    <mc:Choice xmlns:p159="http://schemas.microsoft.com/office/powerpoint/2015/09/main" Requires="p159">
       <p:transition xmlns:p14="http://schemas.microsoft.com/office/powerpoint/2010/main" p14:dur="10" advTm="6827">
         <p159:morph option="byObject"/>
       </p:transition>
     </mc:Choice>
-    <mc:Fallback xmlns="">
+    <mc:Fallback>
       <p:transition advTm="6827">
         <p:fade/>
       </p:transition>
@@ -9339,13 +9339,13 @@
   <p:clrMapOvr>
     <a:masterClrMapping/>
   </p:clrMapOvr>
-  <mc:AlternateContent xmlns:mc="http://schemas.openxmlformats.org/markup-compatibility/2006" xmlns:p159="http://schemas.microsoft.com/office/powerpoint/2015/09/main">
-    <mc:Choice Requires="p159">
+  <mc:AlternateContent xmlns:mc="http://schemas.openxmlformats.org/markup-compatibility/2006">
+    <mc:Choice xmlns:p159="http://schemas.microsoft.com/office/powerpoint/2015/09/main" Requires="p159">
       <p:transition xmlns:p14="http://schemas.microsoft.com/office/powerpoint/2010/main" p14:dur="10" advTm="15027">
         <p159:morph option="byObject"/>
       </p:transition>
     </mc:Choice>
-    <mc:Fallback xmlns="">
+    <mc:Fallback>
       <p:transition advTm="15027">
         <p:fade/>
       </p:transition>
@@ -9411,13 +9411,13 @@
   <p:clrMapOvr>
     <a:masterClrMapping/>
   </p:clrMapOvr>
-  <mc:AlternateContent xmlns:mc="http://schemas.openxmlformats.org/markup-compatibility/2006" xmlns:p159="http://schemas.microsoft.com/office/powerpoint/2015/09/main">
-    <mc:Choice Requires="p159">
+  <mc:AlternateContent xmlns:mc="http://schemas.openxmlformats.org/markup-compatibility/2006">
+    <mc:Choice xmlns:p159="http://schemas.microsoft.com/office/powerpoint/2015/09/main" Requires="p159">
       <p:transition xmlns:p14="http://schemas.microsoft.com/office/powerpoint/2010/main" p14:dur="10" advTm="11228">
         <p159:morph option="byObject"/>
       </p:transition>
     </mc:Choice>
-    <mc:Fallback xmlns="">
+    <mc:Fallback>
       <p:transition advTm="11228">
         <p:fade/>
       </p:transition>
@@ -9588,13 +9588,13 @@
   <p:clrMapOvr>
     <a:masterClrMapping/>
   </p:clrMapOvr>
-  <mc:AlternateContent xmlns:mc="http://schemas.openxmlformats.org/markup-compatibility/2006" xmlns:p159="http://schemas.microsoft.com/office/powerpoint/2015/09/main">
-    <mc:Choice Requires="p159">
+  <mc:AlternateContent xmlns:mc="http://schemas.openxmlformats.org/markup-compatibility/2006">
+    <mc:Choice xmlns:p159="http://schemas.microsoft.com/office/powerpoint/2015/09/main" Requires="p159">
       <p:transition xmlns:p14="http://schemas.microsoft.com/office/powerpoint/2010/main" p14:dur="10" advTm="10271">
         <p159:morph option="byObject"/>
       </p:transition>
     </mc:Choice>
-    <mc:Fallback xmlns="">
+    <mc:Fallback>
       <p:transition advTm="10271">
         <p:fade/>
       </p:transition>
@@ -9890,13 +9890,13 @@
   <p:clrMapOvr>
     <a:masterClrMapping/>
   </p:clrMapOvr>
-  <mc:AlternateContent xmlns:mc="http://schemas.openxmlformats.org/markup-compatibility/2006" xmlns:p159="http://schemas.microsoft.com/office/powerpoint/2015/09/main">
-    <mc:Choice Requires="p159">
+  <mc:AlternateContent xmlns:mc="http://schemas.openxmlformats.org/markup-compatibility/2006">
+    <mc:Choice xmlns:p159="http://schemas.microsoft.com/office/powerpoint/2015/09/main" Requires="p159">
       <p:transition xmlns:p14="http://schemas.microsoft.com/office/powerpoint/2010/main" p14:dur="10" advTm="10887">
         <p159:morph option="byObject"/>
       </p:transition>
     </mc:Choice>
-    <mc:Fallback xmlns="">
+    <mc:Fallback>
       <p:transition advTm="10887">
         <p:fade/>
       </p:transition>
@@ -9987,7 +9987,7 @@
         </p:nvSpPr>
         <p:spPr>
           <a:xfrm>
-            <a:off x="685801" y="1503366"/>
+            <a:off x="685801" y="1324947"/>
             <a:ext cx="10131425" cy="4466253"/>
           </a:xfrm>
         </p:spPr>
@@ -10179,13 +10179,13 @@
   <p:clrMapOvr>
     <a:masterClrMapping/>
   </p:clrMapOvr>
-  <mc:AlternateContent xmlns:mc="http://schemas.openxmlformats.org/markup-compatibility/2006" xmlns:p159="http://schemas.microsoft.com/office/powerpoint/2015/09/main">
-    <mc:Choice Requires="p159">
+  <mc:AlternateContent xmlns:mc="http://schemas.openxmlformats.org/markup-compatibility/2006">
+    <mc:Choice xmlns:p159="http://schemas.microsoft.com/office/powerpoint/2015/09/main" Requires="p159">
       <p:transition xmlns:p14="http://schemas.microsoft.com/office/powerpoint/2010/main" p14:dur="10" advTm="10795">
         <p159:morph option="byObject"/>
       </p:transition>
     </mc:Choice>
-    <mc:Fallback xmlns="">
+    <mc:Fallback>
       <p:transition advTm="10795">
         <p:fade/>
       </p:transition>
@@ -10444,13 +10444,13 @@
   <p:clrMapOvr>
     <a:masterClrMapping/>
   </p:clrMapOvr>
-  <mc:AlternateContent xmlns:mc="http://schemas.openxmlformats.org/markup-compatibility/2006" xmlns:p159="http://schemas.microsoft.com/office/powerpoint/2015/09/main">
-    <mc:Choice Requires="p159">
+  <mc:AlternateContent xmlns:mc="http://schemas.openxmlformats.org/markup-compatibility/2006">
+    <mc:Choice xmlns:p159="http://schemas.microsoft.com/office/powerpoint/2015/09/main" Requires="p159">
       <p:transition xmlns:p14="http://schemas.microsoft.com/office/powerpoint/2010/main" p14:dur="10" advTm="15635">
         <p159:morph option="byObject"/>
       </p:transition>
     </mc:Choice>
-    <mc:Fallback xmlns="">
+    <mc:Fallback>
       <p:transition advTm="15635">
         <p:fade/>
       </p:transition>
@@ -10729,13 +10729,13 @@
   <p:clrMapOvr>
     <a:masterClrMapping/>
   </p:clrMapOvr>
-  <mc:AlternateContent xmlns:mc="http://schemas.openxmlformats.org/markup-compatibility/2006" xmlns:p159="http://schemas.microsoft.com/office/powerpoint/2015/09/main">
-    <mc:Choice Requires="p159">
+  <mc:AlternateContent xmlns:mc="http://schemas.openxmlformats.org/markup-compatibility/2006">
+    <mc:Choice xmlns:p159="http://schemas.microsoft.com/office/powerpoint/2015/09/main" Requires="p159">
       <p:transition xmlns:p14="http://schemas.microsoft.com/office/powerpoint/2010/main" p14:dur="10" advTm="1577">
         <p159:morph option="byObject"/>
       </p:transition>
     </mc:Choice>
-    <mc:Fallback xmlns="">
+    <mc:Fallback>
       <p:transition advTm="1577">
         <p:fade/>
       </p:transition>
@@ -10836,13 +10836,13 @@
   <p:clrMapOvr>
     <a:masterClrMapping/>
   </p:clrMapOvr>
-  <mc:AlternateContent xmlns:mc="http://schemas.openxmlformats.org/markup-compatibility/2006" xmlns:p159="http://schemas.microsoft.com/office/powerpoint/2015/09/main">
-    <mc:Choice Requires="p159">
+  <mc:AlternateContent xmlns:mc="http://schemas.openxmlformats.org/markup-compatibility/2006">
+    <mc:Choice xmlns:p159="http://schemas.microsoft.com/office/powerpoint/2015/09/main" Requires="p159">
       <p:transition xmlns:p14="http://schemas.microsoft.com/office/powerpoint/2010/main" p14:dur="10" advTm="14944">
         <p159:morph option="byObject"/>
       </p:transition>
     </mc:Choice>
-    <mc:Fallback xmlns="">
+    <mc:Fallback>
       <p:transition advTm="14944">
         <p:fade/>
       </p:transition>
@@ -10975,13 +10975,13 @@
   <p:clrMapOvr>
     <a:masterClrMapping/>
   </p:clrMapOvr>
-  <mc:AlternateContent xmlns:mc="http://schemas.openxmlformats.org/markup-compatibility/2006" xmlns:p159="http://schemas.microsoft.com/office/powerpoint/2015/09/main">
-    <mc:Choice Requires="p159">
+  <mc:AlternateContent xmlns:mc="http://schemas.openxmlformats.org/markup-compatibility/2006">
+    <mc:Choice xmlns:p159="http://schemas.microsoft.com/office/powerpoint/2015/09/main" Requires="p159">
       <p:transition xmlns:p14="http://schemas.microsoft.com/office/powerpoint/2010/main" p14:dur="10" advTm="11022">
         <p159:morph option="byObject"/>
       </p:transition>
     </mc:Choice>
-    <mc:Fallback xmlns="">
+    <mc:Fallback>
       <p:transition advTm="11022">
         <p:fade/>
       </p:transition>
@@ -11110,13 +11110,13 @@
   <p:clrMapOvr>
     <a:masterClrMapping/>
   </p:clrMapOvr>
-  <mc:AlternateContent xmlns:mc="http://schemas.openxmlformats.org/markup-compatibility/2006" xmlns:p159="http://schemas.microsoft.com/office/powerpoint/2015/09/main">
-    <mc:Choice Requires="p159">
+  <mc:AlternateContent xmlns:mc="http://schemas.openxmlformats.org/markup-compatibility/2006">
+    <mc:Choice xmlns:p159="http://schemas.microsoft.com/office/powerpoint/2015/09/main" Requires="p159">
       <p:transition xmlns:p14="http://schemas.microsoft.com/office/powerpoint/2010/main" p14:dur="10" advTm="15877">
         <p159:morph option="byObject"/>
       </p:transition>
     </mc:Choice>
-    <mc:Fallback xmlns="">
+    <mc:Fallback>
       <p:transition advTm="15877">
         <p:fade/>
       </p:transition>
@@ -11241,13 +11241,13 @@
   <p:clrMapOvr>
     <a:masterClrMapping/>
   </p:clrMapOvr>
-  <mc:AlternateContent xmlns:mc="http://schemas.openxmlformats.org/markup-compatibility/2006" xmlns:p159="http://schemas.microsoft.com/office/powerpoint/2015/09/main">
-    <mc:Choice Requires="p159">
+  <mc:AlternateContent xmlns:mc="http://schemas.openxmlformats.org/markup-compatibility/2006">
+    <mc:Choice xmlns:p159="http://schemas.microsoft.com/office/powerpoint/2015/09/main" Requires="p159">
       <p:transition xmlns:p14="http://schemas.microsoft.com/office/powerpoint/2010/main" p14:dur="10" advTm="13212">
         <p159:morph option="byObject"/>
       </p:transition>
     </mc:Choice>
-    <mc:Fallback xmlns="">
+    <mc:Fallback>
       <p:transition advTm="13212">
         <p:fade/>
       </p:transition>
